--- a/powerpoint files/Session1.pptx
+++ b/powerpoint files/Session1.pptx
@@ -154,14 +154,6 @@
           <pc:docMk/>
           <pc:sldMk cId="0" sldId="256"/>
         </pc:sldMkLst>
-        <pc:spChg chg="mod">
-          <ac:chgData name="Srinivasa Rao" userId="a6b54366-f13d-4292-8bb4-f06c50909b1e" providerId="ADAL" clId="{33F0C8B9-328C-4A41-B7CC-0ACE32846C89}" dt="2024-02-20T08:13:37.844" v="7" actId="20577"/>
-          <ac:spMkLst>
-            <pc:docMk/>
-            <pc:sldMk cId="0" sldId="256"/>
-            <ac:spMk id="191" creationId="{00000000-0000-0000-0000-000000000000}"/>
-          </ac:spMkLst>
-        </pc:spChg>
       </pc:sldChg>
     </pc:docChg>
   </pc:docChgLst>
@@ -178,8 +170,31 @@
           <pc:docMk/>
           <pc:sldMk cId="0" sldId="256"/>
         </pc:sldMkLst>
+      </pc:sldChg>
+      <pc:sldChg chg="modSp mod">
+        <pc:chgData name="Srinivasa Rao" userId="a6b54366-f13d-4292-8bb4-f06c50909b1e" providerId="ADAL" clId="{41D156DD-F322-3541-A394-B14DF1F17532}" dt="2023-10-31T10:14:58.346" v="38" actId="20577"/>
+        <pc:sldMkLst>
+          <pc:docMk/>
+          <pc:sldMk cId="0" sldId="267"/>
+        </pc:sldMkLst>
+      </pc:sldChg>
+    </pc:docChg>
+  </pc:docChgLst>
+  <pc:docChgLst>
+    <pc:chgData name="Srinivasa Rao" userId="a6b54366-f13d-4292-8bb4-f06c50909b1e" providerId="ADAL" clId="{D4C2DD78-10A3-B640-9D25-227231176B8C}"/>
+    <pc:docChg chg="modSld">
+      <pc:chgData name="Srinivasa Rao" userId="a6b54366-f13d-4292-8bb4-f06c50909b1e" providerId="ADAL" clId="{D4C2DD78-10A3-B640-9D25-227231176B8C}" dt="2025-02-02T20:40:36.386" v="18" actId="20577"/>
+      <pc:docMkLst>
+        <pc:docMk/>
+      </pc:docMkLst>
+      <pc:sldChg chg="modSp mod">
+        <pc:chgData name="Srinivasa Rao" userId="a6b54366-f13d-4292-8bb4-f06c50909b1e" providerId="ADAL" clId="{D4C2DD78-10A3-B640-9D25-227231176B8C}" dt="2025-02-02T20:40:36.386" v="18" actId="20577"/>
+        <pc:sldMkLst>
+          <pc:docMk/>
+          <pc:sldMk cId="0" sldId="256"/>
+        </pc:sldMkLst>
         <pc:spChg chg="mod">
-          <ac:chgData name="Srinivasa Rao" userId="a6b54366-f13d-4292-8bb4-f06c50909b1e" providerId="ADAL" clId="{41D156DD-F322-3541-A394-B14DF1F17532}" dt="2023-10-30T17:18:03.722" v="9" actId="20577"/>
+          <ac:chgData name="Srinivasa Rao" userId="a6b54366-f13d-4292-8bb4-f06c50909b1e" providerId="ADAL" clId="{D4C2DD78-10A3-B640-9D25-227231176B8C}" dt="2025-02-02T20:40:36.386" v="18" actId="20577"/>
           <ac:spMkLst>
             <pc:docMk/>
             <pc:sldMk cId="0" sldId="256"/>
@@ -188,25 +203,25 @@
         </pc:spChg>
       </pc:sldChg>
       <pc:sldChg chg="modSp mod">
-        <pc:chgData name="Srinivasa Rao" userId="a6b54366-f13d-4292-8bb4-f06c50909b1e" providerId="ADAL" clId="{41D156DD-F322-3541-A394-B14DF1F17532}" dt="2023-10-31T10:14:58.346" v="38" actId="20577"/>
+        <pc:chgData name="Srinivasa Rao" userId="a6b54366-f13d-4292-8bb4-f06c50909b1e" providerId="ADAL" clId="{D4C2DD78-10A3-B640-9D25-227231176B8C}" dt="2025-02-02T20:40:26.572" v="10" actId="20577"/>
         <pc:sldMkLst>
           <pc:docMk/>
-          <pc:sldMk cId="0" sldId="267"/>
+          <pc:sldMk cId="0" sldId="279"/>
         </pc:sldMkLst>
         <pc:spChg chg="mod">
-          <ac:chgData name="Srinivasa Rao" userId="a6b54366-f13d-4292-8bb4-f06c50909b1e" providerId="ADAL" clId="{41D156DD-F322-3541-A394-B14DF1F17532}" dt="2023-10-31T09:21:33.716" v="11" actId="20577"/>
+          <ac:chgData name="Srinivasa Rao" userId="a6b54366-f13d-4292-8bb4-f06c50909b1e" providerId="ADAL" clId="{D4C2DD78-10A3-B640-9D25-227231176B8C}" dt="2025-02-02T20:40:26.572" v="10" actId="20577"/>
           <ac:spMkLst>
             <pc:docMk/>
-            <pc:sldMk cId="0" sldId="267"/>
-            <ac:spMk id="340" creationId="{00000000-0000-0000-0000-000000000000}"/>
+            <pc:sldMk cId="0" sldId="279"/>
+            <ac:spMk id="228" creationId="{00000000-0000-0000-0000-000000000000}"/>
           </ac:spMkLst>
         </pc:spChg>
         <pc:spChg chg="mod">
-          <ac:chgData name="Srinivasa Rao" userId="a6b54366-f13d-4292-8bb4-f06c50909b1e" providerId="ADAL" clId="{41D156DD-F322-3541-A394-B14DF1F17532}" dt="2023-10-31T10:14:58.346" v="38" actId="20577"/>
+          <ac:chgData name="Srinivasa Rao" userId="a6b54366-f13d-4292-8bb4-f06c50909b1e" providerId="ADAL" clId="{D4C2DD78-10A3-B640-9D25-227231176B8C}" dt="2025-02-02T20:40:22.524" v="7" actId="20577"/>
           <ac:spMkLst>
             <pc:docMk/>
-            <pc:sldMk cId="0" sldId="267"/>
-            <ac:spMk id="344" creationId="{00000000-0000-0000-0000-000000000000}"/>
+            <pc:sldMk cId="0" sldId="279"/>
+            <ac:spMk id="229" creationId="{00000000-0000-0000-0000-000000000000}"/>
           </ac:spMkLst>
         </pc:spChg>
       </pc:sldChg>
@@ -272,22 +287,6 @@
           <pc:docMk/>
           <pc:sldMk cId="0" sldId="256"/>
         </pc:sldMkLst>
-        <pc:spChg chg="mod">
-          <ac:chgData name="Srinivasa Rao" userId="a6b54366-f13d-4292-8bb4-f06c50909b1e" providerId="ADAL" clId="{41C5C132-3D31-E740-9C99-3AA7446C25AD}" dt="2024-04-22T19:29:05.604" v="3" actId="27636"/>
-          <ac:spMkLst>
-            <pc:docMk/>
-            <pc:sldMk cId="0" sldId="256"/>
-            <ac:spMk id="190" creationId="{00000000-0000-0000-0000-000000000000}"/>
-          </ac:spMkLst>
-        </pc:spChg>
-        <pc:spChg chg="mod">
-          <ac:chgData name="Srinivasa Rao" userId="a6b54366-f13d-4292-8bb4-f06c50909b1e" providerId="ADAL" clId="{41C5C132-3D31-E740-9C99-3AA7446C25AD}" dt="2024-04-22T19:29:33.365" v="13" actId="20577"/>
-          <ac:spMkLst>
-            <pc:docMk/>
-            <pc:sldMk cId="0" sldId="256"/>
-            <ac:spMk id="191" creationId="{00000000-0000-0000-0000-000000000000}"/>
-          </ac:spMkLst>
-        </pc:spChg>
       </pc:sldChg>
       <pc:sldChg chg="modSp mod">
         <pc:chgData name="Srinivasa Rao" userId="a6b54366-f13d-4292-8bb4-f06c50909b1e" providerId="ADAL" clId="{41C5C132-3D31-E740-9C99-3AA7446C25AD}" dt="2024-04-22T19:29:05.583" v="1" actId="27636"/>
@@ -295,14 +294,6 @@
           <pc:docMk/>
           <pc:sldMk cId="0" sldId="262"/>
         </pc:sldMkLst>
-        <pc:spChg chg="mod">
-          <ac:chgData name="Srinivasa Rao" userId="a6b54366-f13d-4292-8bb4-f06c50909b1e" providerId="ADAL" clId="{41C5C132-3D31-E740-9C99-3AA7446C25AD}" dt="2024-04-22T19:29:05.583" v="1" actId="27636"/>
-          <ac:spMkLst>
-            <pc:docMk/>
-            <pc:sldMk cId="0" sldId="262"/>
-            <ac:spMk id="313" creationId="{00000000-0000-0000-0000-000000000000}"/>
-          </ac:spMkLst>
-        </pc:spChg>
       </pc:sldChg>
       <pc:sldChg chg="modSp mod">
         <pc:chgData name="Srinivasa Rao" userId="a6b54366-f13d-4292-8bb4-f06c50909b1e" providerId="ADAL" clId="{41C5C132-3D31-E740-9C99-3AA7446C25AD}" dt="2024-04-22T19:29:05.599" v="2" actId="27636"/>
@@ -310,14 +301,6 @@
           <pc:docMk/>
           <pc:sldMk cId="0" sldId="276"/>
         </pc:sldMkLst>
-        <pc:spChg chg="mod">
-          <ac:chgData name="Srinivasa Rao" userId="a6b54366-f13d-4292-8bb4-f06c50909b1e" providerId="ADAL" clId="{41C5C132-3D31-E740-9C99-3AA7446C25AD}" dt="2024-04-22T19:29:05.599" v="2" actId="27636"/>
-          <ac:spMkLst>
-            <pc:docMk/>
-            <pc:sldMk cId="0" sldId="276"/>
-            <ac:spMk id="384" creationId="{00000000-0000-0000-0000-000000000000}"/>
-          </ac:spMkLst>
-        </pc:spChg>
       </pc:sldChg>
       <pc:sldChg chg="modSp add mod ord">
         <pc:chgData name="Srinivasa Rao" userId="a6b54366-f13d-4292-8bb4-f06c50909b1e" providerId="ADAL" clId="{41C5C132-3D31-E740-9C99-3AA7446C25AD}" dt="2024-04-22T19:29:24.180" v="6" actId="27636"/>
@@ -325,14 +308,6 @@
           <pc:docMk/>
           <pc:sldMk cId="0" sldId="279"/>
         </pc:sldMkLst>
-        <pc:spChg chg="mod">
-          <ac:chgData name="Srinivasa Rao" userId="a6b54366-f13d-4292-8bb4-f06c50909b1e" providerId="ADAL" clId="{41C5C132-3D31-E740-9C99-3AA7446C25AD}" dt="2024-04-22T19:29:24.180" v="6" actId="27636"/>
-          <ac:spMkLst>
-            <pc:docMk/>
-            <pc:sldMk cId="0" sldId="279"/>
-            <ac:spMk id="228" creationId="{00000000-0000-0000-0000-000000000000}"/>
-          </ac:spMkLst>
-        </pc:spChg>
       </pc:sldChg>
     </pc:docChg>
   </pc:docChgLst>
@@ -10196,15 +10171,7 @@
             </a:br>
             <a:r>
               <a:rPr lang="en-GB" dirty="0"/>
-              <a:t>We’ll start </a:t>
-            </a:r>
-            <a:r>
-              <a:rPr lang="en-GB"/>
-              <a:t>at 13:30, </a:t>
-            </a:r>
-            <a:r>
-              <a:rPr lang="en-GB" dirty="0"/>
-              <a:t>please ask if you have any issues with installation of R and RStudio</a:t>
+              <a:t>We’ll start at 9:30, please ask if you have any issues with installation of R and RStudio</a:t>
             </a:r>
             <a:endParaRPr lang="en-GB" sz="4400" b="0" strike="noStrike" spc="-1" dirty="0">
               <a:latin typeface="Arial"/>
@@ -10294,7 +10261,7 @@
                 <a:latin typeface="Calibri"/>
                 <a:ea typeface="DejaVu Sans"/>
               </a:rPr>
-              <a:t>Michaelmas 2024</a:t>
+              <a:t>Hilary 2025</a:t>
             </a:r>
             <a:endParaRPr lang="en-GB" sz="3200" b="0" strike="noStrike" spc="-1" dirty="0">
               <a:latin typeface="Arial"/>
@@ -15333,14 +15300,14 @@
               </a:tabLst>
             </a:pPr>
             <a:r>
-              <a:rPr lang="en-US" sz="3200" b="0" strike="noStrike" spc="-1">
+              <a:rPr lang="en-US" sz="3200" b="0" strike="noStrike" spc="-1" dirty="0">
                 <a:solidFill>
                   <a:srgbClr val="8B8B8B"/>
                 </a:solidFill>
                 <a:latin typeface="Calibri"/>
                 <a:ea typeface="DejaVu Sans"/>
               </a:rPr>
-              <a:t>Michaelmas 2024</a:t>
+              <a:t>Hilary 2025</a:t>
             </a:r>
             <a:endParaRPr lang="en-GB" sz="3200" b="0" strike="noStrike" spc="-1" dirty="0">
               <a:latin typeface="Arial"/>
